--- a/Prezentacja_kibidf_Czarnecki_Morokov.pptx
+++ b/Prezentacja_kibidf_Czarnecki_Morokov.pptx
@@ -7,7 +7,7 @@
     <p:sldMasterId id="2147483700" r:id="rId3"/>
   </p:sldMasterIdLst>
   <p:notesMasterIdLst>
-    <p:notesMasterId r:id="rId26"/>
+    <p:notesMasterId r:id="rId27"/>
   </p:notesMasterIdLst>
   <p:sldIdLst>
     <p:sldId id="268" r:id="rId4"/>
@@ -31,7 +31,8 @@
     <p:sldId id="288" r:id="rId22"/>
     <p:sldId id="289" r:id="rId23"/>
     <p:sldId id="290" r:id="rId24"/>
-    <p:sldId id="266" r:id="rId25"/>
+    <p:sldId id="291" r:id="rId25"/>
+    <p:sldId id="266" r:id="rId26"/>
   </p:sldIdLst>
   <p:sldSz cx="18288000" cy="13716000"/>
   <p:notesSz cx="6858000" cy="9144000"/>
@@ -239,7 +240,7 @@
           <a:p>
             <a:fld id="{B43CD0EA-C704-4F15-A71C-AE89BE24A749}" type="datetimeFigureOut">
               <a:rPr lang="pl-PL" smtClean="0"/>
-              <a:t>04.01.2020</a:t>
+              <a:t>06.01.2020</a:t>
             </a:fld>
             <a:endParaRPr lang="pl-PL"/>
           </a:p>
@@ -9902,7 +9903,7 @@
           <a:p>
             <a:fld id="{FA74725E-9BBD-400D-9BC6-C17F4312B59B}" type="datetime1">
               <a:rPr lang="pl-PL" smtClean="0"/>
-              <a:t>04.01.2020</a:t>
+              <a:t>06.01.2020</a:t>
             </a:fld>
             <a:endParaRPr lang="pl-PL"/>
           </a:p>
@@ -10592,7 +10593,7 @@
           <a:p>
             <a:fld id="{F317DF22-5C92-4FF1-A01C-A0CD364556D9}" type="datetime1">
               <a:rPr lang="pl-PL" smtClean="0"/>
-              <a:t>04.01.2020</a:t>
+              <a:t>06.01.2020</a:t>
             </a:fld>
             <a:endParaRPr lang="pl-PL"/>
           </a:p>
@@ -10888,7 +10889,7 @@
           <a:p>
             <a:fld id="{034BFD8B-8FC8-4F4A-B5F7-5717190F435F}" type="datetime1">
               <a:rPr lang="pl-PL" smtClean="0"/>
-              <a:t>04.01.2020</a:t>
+              <a:t>06.01.2020</a:t>
             </a:fld>
             <a:endParaRPr lang="pl-PL"/>
           </a:p>
@@ -11279,7 +11280,7 @@
           <a:p>
             <a:fld id="{66AE723E-EAE5-4335-92DD-06D87F82E55F}" type="datetime1">
               <a:rPr lang="pl-PL" smtClean="0"/>
-              <a:t>04.01.2020</a:t>
+              <a:t>06.01.2020</a:t>
             </a:fld>
             <a:endParaRPr lang="pl-PL"/>
           </a:p>
@@ -11421,7 +11422,7 @@
           <a:p>
             <a:fld id="{38D5FE76-9559-491F-B605-0D9B04EE9DE6}" type="datetime1">
               <a:rPr lang="pl-PL" smtClean="0"/>
-              <a:t>04.01.2020</a:t>
+              <a:t>06.01.2020</a:t>
             </a:fld>
             <a:endParaRPr lang="pl-PL"/>
           </a:p>
@@ -12980,7 +12981,7 @@
           <a:p>
             <a:fld id="{CF03277E-5176-4437-BE75-1B9436FABD5E}" type="datetime1">
               <a:rPr lang="pl-PL" smtClean="0"/>
-              <a:t>04.01.2020</a:t>
+              <a:t>06.01.2020</a:t>
             </a:fld>
             <a:endParaRPr lang="pl-PL"/>
           </a:p>
@@ -13099,7 +13100,7 @@
           <a:p>
             <a:fld id="{86CDFF25-1611-478C-925A-E740B0D667B2}" type="datetime1">
               <a:rPr lang="pl-PL" smtClean="0"/>
-              <a:t>04.01.2020</a:t>
+              <a:t>06.01.2020</a:t>
             </a:fld>
             <a:endParaRPr lang="pl-PL"/>
           </a:p>
@@ -13400,7 +13401,7 @@
           <a:p>
             <a:fld id="{60276E08-4478-416B-B2F0-E483D383A9AC}" type="datetime1">
               <a:rPr lang="pl-PL" smtClean="0"/>
-              <a:t>04.01.2020</a:t>
+              <a:t>06.01.2020</a:t>
             </a:fld>
             <a:endParaRPr lang="pl-PL"/>
           </a:p>
@@ -13928,7 +13929,7 @@
           <a:p>
             <a:fld id="{0CD773E7-2378-4EFB-8159-99C69053EDF7}" type="datetime1">
               <a:rPr lang="pl-PL" smtClean="0"/>
-              <a:t>04.01.2020</a:t>
+              <a:t>06.01.2020</a:t>
             </a:fld>
             <a:endParaRPr lang="pl-PL"/>
           </a:p>
@@ -14127,7 +14128,7 @@
           <a:p>
             <a:fld id="{19EA7272-7C86-4C61-A8D1-42B38A9F41FA}" type="datetime1">
               <a:rPr lang="pl-PL" smtClean="0"/>
-              <a:t>04.01.2020</a:t>
+              <a:t>06.01.2020</a:t>
             </a:fld>
             <a:endParaRPr lang="pl-PL" dirty="0"/>
           </a:p>
@@ -14351,7 +14352,7 @@
           <a:p>
             <a:fld id="{346FA071-7161-4BEC-938E-7B7DA67F8CEF}" type="datetime1">
               <a:rPr lang="pl-PL" smtClean="0"/>
-              <a:t>04.01.2020</a:t>
+              <a:t>06.01.2020</a:t>
             </a:fld>
             <a:endParaRPr lang="pl-PL" dirty="0"/>
           </a:p>
@@ -14548,7 +14549,7 @@
           <a:p>
             <a:fld id="{D535FD4E-F1C3-4B4E-BCF3-0BBE06B1D104}" type="datetime1">
               <a:rPr lang="pl-PL" smtClean="0"/>
-              <a:t>04.01.2020</a:t>
+              <a:t>06.01.2020</a:t>
             </a:fld>
             <a:endParaRPr lang="pl-PL"/>
           </a:p>
@@ -14795,7 +14796,7 @@
           <a:p>
             <a:fld id="{D319A22D-69A8-4F72-9A6F-9452D918D22C}" type="datetime1">
               <a:rPr lang="pl-PL" smtClean="0"/>
-              <a:t>04.01.2020</a:t>
+              <a:t>06.01.2020</a:t>
             </a:fld>
             <a:endParaRPr lang="pl-PL"/>
           </a:p>
@@ -15042,7 +15043,7 @@
           <a:p>
             <a:fld id="{658DBF10-0C31-4D0E-A3AE-23BBC08849A0}" type="datetime1">
               <a:rPr lang="pl-PL" smtClean="0"/>
-              <a:t>04.01.2020</a:t>
+              <a:t>06.01.2020</a:t>
             </a:fld>
             <a:endParaRPr lang="pl-PL"/>
           </a:p>
@@ -15289,7 +15290,7 @@
           <a:p>
             <a:fld id="{D97F7A4A-4302-472B-B494-B11FE5488642}" type="datetime1">
               <a:rPr lang="pl-PL" smtClean="0"/>
-              <a:t>04.01.2020</a:t>
+              <a:t>06.01.2020</a:t>
             </a:fld>
             <a:endParaRPr lang="pl-PL"/>
           </a:p>
@@ -15536,7 +15537,7 @@
           <a:p>
             <a:fld id="{51968386-BB2C-47E0-AF1D-B94F15444D88}" type="datetime1">
               <a:rPr lang="pl-PL" smtClean="0"/>
-              <a:t>04.01.2020</a:t>
+              <a:t>06.01.2020</a:t>
             </a:fld>
             <a:endParaRPr lang="pl-PL"/>
           </a:p>
@@ -19218,7 +19219,7 @@
           <a:p>
             <a:fld id="{9187ACAA-BA05-403C-B094-06E99B1B296A}" type="datetime1">
               <a:rPr lang="pl-PL" smtClean="0"/>
-              <a:t>04.01.2020</a:t>
+              <a:t>06.01.2020</a:t>
             </a:fld>
             <a:endParaRPr lang="pl-PL"/>
           </a:p>
@@ -23818,6 +23819,335 @@
 </file>
 
 <file path=ppt/slides/slide22.xml><?xml version="1.0" encoding="utf-8"?>
+<p:sld xmlns:a="http://schemas.openxmlformats.org/drawingml/2006/main" xmlns:r="http://schemas.openxmlformats.org/officeDocument/2006/relationships" xmlns:p="http://schemas.openxmlformats.org/presentationml/2006/main">
+  <p:cSld>
+    <p:bg>
+      <p:bgPr>
+        <a:solidFill>
+          <a:schemeClr val="bg1">
+            <a:lumMod val="95000"/>
+          </a:schemeClr>
+        </a:solidFill>
+        <a:effectLst/>
+      </p:bgPr>
+    </p:bg>
+    <p:spTree>
+      <p:nvGrpSpPr>
+        <p:cNvPr id="1" name=""/>
+        <p:cNvGrpSpPr/>
+        <p:nvPr/>
+      </p:nvGrpSpPr>
+      <p:grpSpPr>
+        <a:xfrm>
+          <a:off x="0" y="0"/>
+          <a:ext cx="0" cy="0"/>
+          <a:chOff x="0" y="0"/>
+          <a:chExt cx="0" cy="0"/>
+        </a:xfrm>
+      </p:grpSpPr>
+      <p:sp>
+        <p:nvSpPr>
+          <p:cNvPr id="2" name="Tytuł 1">
+            <a:extLst>
+              <a:ext uri="{FF2B5EF4-FFF2-40B4-BE49-F238E27FC236}">
+                <a16:creationId xmlns:a16="http://schemas.microsoft.com/office/drawing/2014/main" id="{71E97677-6861-43F3-9418-5A368D20D134}"/>
+              </a:ext>
+            </a:extLst>
+          </p:cNvPr>
+          <p:cNvSpPr>
+            <a:spLocks noGrp="1"/>
+          </p:cNvSpPr>
+          <p:nvPr>
+            <p:ph type="title"/>
+          </p:nvPr>
+        </p:nvSpPr>
+        <p:spPr>
+          <a:xfrm>
+            <a:off x="1257305" y="730251"/>
+            <a:ext cx="16744945" cy="2651126"/>
+          </a:xfrm>
+        </p:spPr>
+        <p:txBody>
+          <a:bodyPr>
+            <a:noAutofit/>
+          </a:bodyPr>
+          <a:lstStyle/>
+          <a:p>
+            <a:pPr algn="just"/>
+            <a:r>
+              <a:rPr lang="pl-PL" sz="5400" b="1" dirty="0">
+                <a:solidFill>
+                  <a:srgbClr val="965F77"/>
+                </a:solidFill>
+                <a:latin typeface="Times New Roman" panose="02020603050405020304" pitchFamily="18" charset="0"/>
+                <a:cs typeface="Times New Roman" panose="02020603050405020304" pitchFamily="18" charset="0"/>
+              </a:rPr>
+              <a:t>Zadanie 9. Dodatkowe</a:t>
+            </a:r>
+            <a:endParaRPr lang="ru-RU" sz="5400" dirty="0">
+              <a:solidFill>
+                <a:srgbClr val="965F77"/>
+              </a:solidFill>
+              <a:latin typeface="Times New Roman" panose="02020603050405020304" pitchFamily="18" charset="0"/>
+              <a:cs typeface="Times New Roman" panose="02020603050405020304" pitchFamily="18" charset="0"/>
+            </a:endParaRPr>
+          </a:p>
+        </p:txBody>
+      </p:sp>
+      <p:sp>
+        <p:nvSpPr>
+          <p:cNvPr id="3" name="Symbol zastępczy zawartości 2">
+            <a:extLst>
+              <a:ext uri="{FF2B5EF4-FFF2-40B4-BE49-F238E27FC236}">
+                <a16:creationId xmlns:a16="http://schemas.microsoft.com/office/drawing/2014/main" id="{59A4E012-CB7E-446D-8A6A-005AB13130F7}"/>
+              </a:ext>
+            </a:extLst>
+          </p:cNvPr>
+          <p:cNvSpPr>
+            <a:spLocks noGrp="1"/>
+          </p:cNvSpPr>
+          <p:nvPr>
+            <p:ph idx="1"/>
+          </p:nvPr>
+        </p:nvSpPr>
+        <p:spPr>
+          <a:xfrm>
+            <a:off x="1257300" y="3101458"/>
+            <a:ext cx="15773400" cy="8524484"/>
+          </a:xfrm>
+        </p:spPr>
+        <p:txBody>
+          <a:bodyPr>
+            <a:normAutofit fontScale="92500" lnSpcReduction="20000"/>
+          </a:bodyPr>
+          <a:lstStyle/>
+          <a:p>
+            <a:pPr marL="457200" indent="-457200" algn="just">
+              <a:lnSpc>
+                <a:spcPct val="100000"/>
+              </a:lnSpc>
+              <a:buFont typeface="Arial" panose="020B0604020202020204" pitchFamily="34" charset="0"/>
+              <a:buChar char="•"/>
+            </a:pPr>
+            <a:r>
+              <a:rPr lang="pl-PL" b="1" dirty="0">
+                <a:solidFill>
+                  <a:schemeClr val="tx1"/>
+                </a:solidFill>
+                <a:latin typeface="Times New Roman" panose="02020603050405020304" pitchFamily="18" charset="0"/>
+                <a:cs typeface="Times New Roman" panose="02020603050405020304" pitchFamily="18" charset="0"/>
+              </a:rPr>
+              <a:t>Cel zadania</a:t>
+            </a:r>
+            <a:r>
+              <a:rPr lang="pl-PL" dirty="0">
+                <a:solidFill>
+                  <a:schemeClr val="tx1"/>
+                </a:solidFill>
+                <a:latin typeface="Times New Roman" panose="02020603050405020304" pitchFamily="18" charset="0"/>
+                <a:cs typeface="Times New Roman" panose="02020603050405020304" pitchFamily="18" charset="0"/>
+              </a:rPr>
+              <a:t>: sformułuj dwa tematy pracy dyplomowej z tego materiału</a:t>
+            </a:r>
+          </a:p>
+          <a:p>
+            <a:pPr marL="457200" indent="-457200" algn="just">
+              <a:lnSpc>
+                <a:spcPct val="100000"/>
+              </a:lnSpc>
+              <a:buFont typeface="Arial" panose="020B0604020202020204" pitchFamily="34" charset="0"/>
+              <a:buChar char="•"/>
+            </a:pPr>
+            <a:r>
+              <a:rPr lang="pl-PL" b="1" dirty="0">
+                <a:solidFill>
+                  <a:schemeClr val="tx1"/>
+                </a:solidFill>
+                <a:latin typeface="Times New Roman" panose="02020603050405020304" pitchFamily="18" charset="0"/>
+                <a:cs typeface="Times New Roman" panose="02020603050405020304" pitchFamily="18" charset="0"/>
+              </a:rPr>
+              <a:t>Wyniki:</a:t>
+            </a:r>
+          </a:p>
+          <a:p>
+            <a:pPr lvl="1" algn="just">
+              <a:lnSpc>
+                <a:spcPct val="100000"/>
+              </a:lnSpc>
+            </a:pPr>
+            <a:r>
+              <a:rPr lang="pl-PL" b="1" dirty="0">
+                <a:solidFill>
+                  <a:schemeClr val="tx1"/>
+                </a:solidFill>
+                <a:latin typeface="Times New Roman" panose="02020603050405020304" pitchFamily="18" charset="0"/>
+                <a:cs typeface="Times New Roman" panose="02020603050405020304" pitchFamily="18" charset="0"/>
+              </a:rPr>
+              <a:t>1.</a:t>
+            </a:r>
+            <a:r>
+              <a:rPr lang="pl-PL" b="1" dirty="0">
+                <a:latin typeface="Times New Roman" panose="02020603050405020304" pitchFamily="18" charset="0"/>
+                <a:cs typeface="Times New Roman" panose="02020603050405020304" pitchFamily="18" charset="0"/>
+              </a:rPr>
+              <a:t> Analiza statystyczna numerów sekwencyjnych (ISN) w protokole TCP/IP dla generatorów użytych w różnych systemach operacyjnych.</a:t>
+            </a:r>
+          </a:p>
+          <a:p>
+            <a:pPr lvl="1" algn="just">
+              <a:lnSpc>
+                <a:spcPct val="100000"/>
+              </a:lnSpc>
+            </a:pPr>
+            <a:r>
+              <a:rPr lang="pl-PL" dirty="0">
+                <a:latin typeface="Times New Roman" panose="02020603050405020304" pitchFamily="18" charset="0"/>
+                <a:cs typeface="Times New Roman" panose="02020603050405020304" pitchFamily="18" charset="0"/>
+              </a:rPr>
+              <a:t>	Cytat z inspirowanej pracy (http://lcamtuf.coredump.cx/oldtcp/tcpseq.html):</a:t>
+            </a:r>
+          </a:p>
+          <a:p>
+            <a:pPr lvl="1" algn="just">
+              <a:lnSpc>
+                <a:spcPct val="100000"/>
+              </a:lnSpc>
+            </a:pPr>
+            <a:r>
+              <a:rPr lang="pl-PL" dirty="0">
+                <a:latin typeface="Times New Roman" panose="02020603050405020304" pitchFamily="18" charset="0"/>
+                <a:cs typeface="Times New Roman" panose="02020603050405020304" pitchFamily="18" charset="0"/>
+              </a:rPr>
+              <a:t>"Możemy teraz opisać, jak używać trójwymiarowych atraktorów funkcji PRNG do skonstruowania zestawu </a:t>
+            </a:r>
+            <a:r>
+              <a:rPr lang="pl-PL" dirty="0" err="1">
+                <a:latin typeface="Times New Roman" panose="02020603050405020304" pitchFamily="18" charset="0"/>
+                <a:cs typeface="Times New Roman" panose="02020603050405020304" pitchFamily="18" charset="0"/>
+              </a:rPr>
+              <a:t>spoofingu</a:t>
+            </a:r>
+            <a:r>
+              <a:rPr lang="pl-PL" dirty="0">
+                <a:latin typeface="Times New Roman" panose="02020603050405020304" pitchFamily="18" charset="0"/>
+                <a:cs typeface="Times New Roman" panose="02020603050405020304" pitchFamily="18" charset="0"/>
+              </a:rPr>
+              <a:t>. Ponieważ zachowanie atraktorów nie jest w pełni zrozumiałe, zauważamy, że przedstawiony tutaj algorytm jest podejściem heurystycznym. Nie możemy udowodnić, w ścisłym matematycznym sensie, że nasz algorytm dokładnie odgadnie wartości ISN. Nie przeprowadziliśmy również analizy statystycznej, która byłaby wymagana do zweryfikowania, czy nasze wyniki są statystycznie znaczące i przewidują przyszłe wyniki. Taka analiza wymagałaby zebrania większej ilości danych i wykracza poza zakres tego dokumentu. Mamy nadzieję, że tego rodzaju niezależna weryfikacja będzie obszarem przyszłych prac.„</a:t>
+            </a:r>
+          </a:p>
+          <a:p>
+            <a:pPr lvl="1" algn="just">
+              <a:lnSpc>
+                <a:spcPct val="100000"/>
+              </a:lnSpc>
+            </a:pPr>
+            <a:endParaRPr lang="pl-PL" dirty="0">
+              <a:latin typeface="Times New Roman" panose="02020603050405020304" pitchFamily="18" charset="0"/>
+              <a:cs typeface="Times New Roman" panose="02020603050405020304" pitchFamily="18" charset="0"/>
+            </a:endParaRPr>
+          </a:p>
+          <a:p>
+            <a:pPr lvl="1" algn="just">
+              <a:lnSpc>
+                <a:spcPct val="100000"/>
+              </a:lnSpc>
+            </a:pPr>
+            <a:r>
+              <a:rPr lang="pl-PL" b="1" dirty="0">
+                <a:latin typeface="Times New Roman" panose="02020603050405020304" pitchFamily="18" charset="0"/>
+                <a:cs typeface="Times New Roman" panose="02020603050405020304" pitchFamily="18" charset="0"/>
+              </a:rPr>
+              <a:t>2. Zastosowanie komputera kwantowego w post-kwantowej kryptografii.</a:t>
+            </a:r>
+          </a:p>
+          <a:p>
+            <a:pPr lvl="1" algn="just">
+              <a:lnSpc>
+                <a:spcPct val="100000"/>
+              </a:lnSpc>
+            </a:pPr>
+            <a:r>
+              <a:rPr lang="pl-PL" dirty="0">
+                <a:latin typeface="Times New Roman" panose="02020603050405020304" pitchFamily="18" charset="0"/>
+                <a:cs typeface="Times New Roman" panose="02020603050405020304" pitchFamily="18" charset="0"/>
+              </a:rPr>
+              <a:t>	Stworzenie algorytmu (przeniesienie istniejącego) kryptografii post-kwantowej wykorzystującego komputer kwantowy.</a:t>
+            </a:r>
+          </a:p>
+          <a:p>
+            <a:pPr lvl="1" algn="just">
+              <a:lnSpc>
+                <a:spcPct val="100000"/>
+              </a:lnSpc>
+            </a:pPr>
+            <a:endParaRPr lang="pl-PL" b="1" dirty="0">
+              <a:latin typeface="Times New Roman" panose="02020603050405020304" pitchFamily="18" charset="0"/>
+              <a:cs typeface="Times New Roman" panose="02020603050405020304" pitchFamily="18" charset="0"/>
+            </a:endParaRPr>
+          </a:p>
+          <a:p>
+            <a:pPr lvl="1" algn="just">
+              <a:lnSpc>
+                <a:spcPct val="100000"/>
+              </a:lnSpc>
+            </a:pPr>
+            <a:endParaRPr lang="pl-PL" dirty="0">
+              <a:latin typeface="Times New Roman" panose="02020603050405020304" pitchFamily="18" charset="0"/>
+              <a:cs typeface="Times New Roman" panose="02020603050405020304" pitchFamily="18" charset="0"/>
+            </a:endParaRPr>
+          </a:p>
+          <a:p>
+            <a:pPr lvl="1" algn="just">
+              <a:lnSpc>
+                <a:spcPct val="100000"/>
+              </a:lnSpc>
+            </a:pPr>
+            <a:endParaRPr lang="pl-PL" dirty="0">
+              <a:latin typeface="Times New Roman" panose="02020603050405020304" pitchFamily="18" charset="0"/>
+              <a:cs typeface="Times New Roman" panose="02020603050405020304" pitchFamily="18" charset="0"/>
+            </a:endParaRPr>
+          </a:p>
+          <a:p>
+            <a:pPr lvl="1" algn="just">
+              <a:lnSpc>
+                <a:spcPct val="100000"/>
+              </a:lnSpc>
+            </a:pPr>
+            <a:endParaRPr lang="pl-PL" dirty="0">
+              <a:latin typeface="Times New Roman" panose="02020603050405020304" pitchFamily="18" charset="0"/>
+              <a:cs typeface="Times New Roman" panose="02020603050405020304" pitchFamily="18" charset="0"/>
+            </a:endParaRPr>
+          </a:p>
+          <a:p>
+            <a:pPr lvl="1" algn="just">
+              <a:lnSpc>
+                <a:spcPct val="100000"/>
+              </a:lnSpc>
+            </a:pPr>
+            <a:endParaRPr lang="pl-PL" dirty="0">
+              <a:solidFill>
+                <a:schemeClr val="tx1"/>
+              </a:solidFill>
+              <a:latin typeface="Times New Roman" panose="02020603050405020304" pitchFamily="18" charset="0"/>
+              <a:cs typeface="Times New Roman" panose="02020603050405020304" pitchFamily="18" charset="0"/>
+            </a:endParaRPr>
+          </a:p>
+        </p:txBody>
+      </p:sp>
+    </p:spTree>
+    <p:extLst>
+      <p:ext uri="{BB962C8B-B14F-4D97-AF65-F5344CB8AC3E}">
+        <p14:creationId xmlns:p14="http://schemas.microsoft.com/office/powerpoint/2010/main" val="2505397394"/>
+      </p:ext>
+    </p:extLst>
+  </p:cSld>
+  <p:clrMapOvr>
+    <a:masterClrMapping/>
+  </p:clrMapOvr>
+</p:sld>
+</file>
+
+<file path=ppt/slides/slide23.xml><?xml version="1.0" encoding="utf-8"?>
 <p:sld xmlns:a="http://schemas.openxmlformats.org/drawingml/2006/main" xmlns:r="http://schemas.openxmlformats.org/officeDocument/2006/relationships" xmlns:p="http://schemas.openxmlformats.org/presentationml/2006/main">
   <p:cSld>
     <p:spTree>
